--- a/Microsoft-Power-BI-Storytelling.pptx
+++ b/Microsoft-Power-BI-Storytelling.pptx
@@ -3349,8 +3349,8 @@
         </p:nvSpPr>
         <p:spPr>
           <a:xfrm>
-            <a:off x="0" y="351395"/>
-            <a:ext cx="12192000" cy="640515"/>
+            <a:off x="0" y="365245"/>
+            <a:ext cx="12192000" cy="612815"/>
           </a:xfrm>
           <a:prstGeom prst="rect">
             <a:avLst/>
@@ -3498,6 +3498,46 @@
           </p:pic>
         </mc:Fallback>
       </mc:AlternateContent>
+      <p:sp>
+        <p:nvSpPr>
+          <p:cNvPr id="3" name="TextBox 2">
+            <a:extLst>
+              <a:ext uri="{FF2B5EF4-FFF2-40B4-BE49-F238E27FC236}">
+                <a16:creationId xmlns:a16="http://schemas.microsoft.com/office/drawing/2014/main" id="{86623B2B-B232-62F8-F227-7FDB2F644CF1}"/>
+              </a:ext>
+            </a:extLst>
+          </p:cNvPr>
+          <p:cNvSpPr txBox="1"/>
+          <p:nvPr/>
+        </p:nvSpPr>
+        <p:spPr>
+          <a:xfrm>
+            <a:off x="10358844" y="6506605"/>
+            <a:ext cx="1506579" cy="369332"/>
+          </a:xfrm>
+          <a:prstGeom prst="rect">
+            <a:avLst/>
+          </a:prstGeom>
+          <a:noFill/>
+          <a:ln>
+            <a:noFill/>
+          </a:ln>
+        </p:spPr>
+        <p:txBody>
+          <a:bodyPr wrap="square" rtlCol="0">
+            <a:spAutoFit/>
+          </a:bodyPr>
+          <a:lstStyle/>
+          <a:p>
+            <a:pPr algn="r"/>
+            <a:r>
+              <a:rPr lang="en-US" dirty="0"/>
+              <a:t>Omkar Jadhav</a:t>
+            </a:r>
+            <a:endParaRPr lang="en-IN" dirty="0"/>
+          </a:p>
+        </p:txBody>
+      </p:sp>
     </p:spTree>
     <p:extLst>
       <p:ext uri="{BB962C8B-B14F-4D97-AF65-F5344CB8AC3E}">
@@ -3545,14 +3585,14 @@
               <p:nvPr>
                 <p:extLst>
                   <p:ext uri="{D42A27DB-BD31-4B8C-83A1-F6EECF244321}">
-                    <p14:modId xmlns:p14="http://schemas.microsoft.com/office/powerpoint/2010/main" val="1262797632"/>
+                    <p14:modId xmlns:p14="http://schemas.microsoft.com/office/powerpoint/2010/main" val="3197327541"/>
                   </p:ext>
                 </p:extLst>
               </p:nvPr>
             </p:nvGraphicFramePr>
             <p:xfrm>
-              <a:off x="31611" y="965783"/>
-              <a:ext cx="12085233" cy="5866091"/>
+              <a:off x="31611" y="965784"/>
+              <a:ext cx="12085233" cy="5566948"/>
             </p:xfrm>
             <a:graphic>
               <a:graphicData uri="http://schemas.microsoft.com/office/webextensions/webextension/2010/11">
@@ -3584,8 +3624,8 @@
             </p:blipFill>
             <p:spPr>
               <a:xfrm>
-                <a:off x="31611" y="965783"/>
-                <a:ext cx="12085233" cy="5866091"/>
+                <a:off x="31611" y="965784"/>
+                <a:ext cx="12085233" cy="5566948"/>
               </a:xfrm>
               <a:prstGeom prst="rect">
                 <a:avLst/>
@@ -3819,6 +3859,46 @@
           </p:spPr>
         </p:pic>
       </p:grpSp>
+      <p:sp>
+        <p:nvSpPr>
+          <p:cNvPr id="6" name="TextBox 5">
+            <a:extLst>
+              <a:ext uri="{FF2B5EF4-FFF2-40B4-BE49-F238E27FC236}">
+                <a16:creationId xmlns:a16="http://schemas.microsoft.com/office/drawing/2014/main" id="{9A43C315-6D8E-8F14-954B-A0A1CC701C68}"/>
+              </a:ext>
+            </a:extLst>
+          </p:cNvPr>
+          <p:cNvSpPr txBox="1"/>
+          <p:nvPr/>
+        </p:nvSpPr>
+        <p:spPr>
+          <a:xfrm>
+            <a:off x="10319654" y="6519668"/>
+            <a:ext cx="1506579" cy="369332"/>
+          </a:xfrm>
+          <a:prstGeom prst="rect">
+            <a:avLst/>
+          </a:prstGeom>
+          <a:noFill/>
+          <a:ln>
+            <a:noFill/>
+          </a:ln>
+        </p:spPr>
+        <p:txBody>
+          <a:bodyPr wrap="square" rtlCol="0">
+            <a:spAutoFit/>
+          </a:bodyPr>
+          <a:lstStyle/>
+          <a:p>
+            <a:pPr algn="r"/>
+            <a:r>
+              <a:rPr lang="en-US" dirty="0"/>
+              <a:t>Omkar Jadhav</a:t>
+            </a:r>
+            <a:endParaRPr lang="en-IN" dirty="0"/>
+          </a:p>
+        </p:txBody>
+      </p:sp>
     </p:spTree>
     <p:extLst>
       <p:ext uri="{BB962C8B-B14F-4D97-AF65-F5344CB8AC3E}">
@@ -4091,14 +4171,14 @@
               <p:nvPr>
                 <p:extLst>
                   <p:ext uri="{D42A27DB-BD31-4B8C-83A1-F6EECF244321}">
-                    <p14:modId xmlns:p14="http://schemas.microsoft.com/office/powerpoint/2010/main" val="2835061418"/>
+                    <p14:modId xmlns:p14="http://schemas.microsoft.com/office/powerpoint/2010/main" val="4268089422"/>
                   </p:ext>
                 </p:extLst>
               </p:nvPr>
             </p:nvGraphicFramePr>
             <p:xfrm>
               <a:off x="48889" y="1002574"/>
-              <a:ext cx="12094222" cy="5855425"/>
+              <a:ext cx="12094222" cy="5530157"/>
             </p:xfrm>
             <a:graphic>
               <a:graphicData uri="http://schemas.microsoft.com/office/webextensions/webextension/2010/11">
@@ -4131,7 +4211,7 @@
             <p:spPr>
               <a:xfrm>
                 <a:off x="48889" y="1002574"/>
-                <a:ext cx="12094222" cy="5855425"/>
+                <a:ext cx="12094222" cy="5530157"/>
               </a:xfrm>
               <a:prstGeom prst="rect">
                 <a:avLst/>
@@ -4140,6 +4220,46 @@
           </p:pic>
         </mc:Fallback>
       </mc:AlternateContent>
+      <p:sp>
+        <p:nvSpPr>
+          <p:cNvPr id="6" name="TextBox 5">
+            <a:extLst>
+              <a:ext uri="{FF2B5EF4-FFF2-40B4-BE49-F238E27FC236}">
+                <a16:creationId xmlns:a16="http://schemas.microsoft.com/office/drawing/2014/main" id="{3D5AEDAB-50FA-50EF-1AF4-295295C7F82B}"/>
+              </a:ext>
+            </a:extLst>
+          </p:cNvPr>
+          <p:cNvSpPr txBox="1"/>
+          <p:nvPr/>
+        </p:nvSpPr>
+        <p:spPr>
+          <a:xfrm>
+            <a:off x="10332717" y="6506605"/>
+            <a:ext cx="1506579" cy="369332"/>
+          </a:xfrm>
+          <a:prstGeom prst="rect">
+            <a:avLst/>
+          </a:prstGeom>
+          <a:noFill/>
+          <a:ln>
+            <a:noFill/>
+          </a:ln>
+        </p:spPr>
+        <p:txBody>
+          <a:bodyPr wrap="square" rtlCol="0">
+            <a:spAutoFit/>
+          </a:bodyPr>
+          <a:lstStyle/>
+          <a:p>
+            <a:pPr algn="r"/>
+            <a:r>
+              <a:rPr lang="en-US" dirty="0"/>
+              <a:t>Omkar Jadhav</a:t>
+            </a:r>
+            <a:endParaRPr lang="en-IN" dirty="0"/>
+          </a:p>
+        </p:txBody>
+      </p:sp>
     </p:spTree>
     <p:extLst>
       <p:ext uri="{BB962C8B-B14F-4D97-AF65-F5344CB8AC3E}">
@@ -4460,21 +4580,21 @@
   <we:alternateReferences/>
   <we:properties>
     <we:property name="Microsoft.Office.CampaignId" value="&quot;none&quot;"/>
+    <we:property name="backgroundColor" value="&quot;#FFFFFF&quot;"/>
+    <we:property name="bookmark" value="&quot;H4sIAAAAAAAAA9VYUW/aMBD+K5Vf+hJNgdLS8dYyqCZVU1U2Km3qwyU5gtskjmyHkaH8950dKISlDe3YRF8An+27++4++3wsWMBVGkH+BWJkPXYpxGMM8vGoxRyWVGUTz+12ALqeF5x3u2fYcTttWiVSzUWiWG/BNMgQ9ZirDCKjkIQ/7h0GUXQDoRlNIFLosBSlEglE/BeWi2lKywwLh+E8jYQEo3KkQaNRO6PlNCZXWh9OyCL4ms9whL4upbeYCqlXY4dNeKRpi9nq5YN5KsmNxQrN0E7SKp2nZtwnI6GQ3IfoaavZOV4ZbTtsKEVsdSyjFNLKQaK5zmlwhSKUkE5zEn61Ot2CQN9NUaLd1BdJwEtXF+yz/TROoVJl3OySKIu3ZsxoJDLp4y1O1gNrvqBI3UhBcbQu3GJoNhTG7hiizAae1F5zAkO4DBwjpqXH3xISBkc2uOrY7Lkv6KMM/YbpnVyqCcJzrjlsKn72JZLZgPVa1qIqU2YzVU2iybplBgVPA0+W6RxXZUZUn+xlci+CGSQ+GdxGdxGGEkNY2Rr8BfRBTIzNkWK+Bf1KCqVuIG+7rRM7N8ySJbrWdjzcwjkMpy/oYBlqkN/vxudrPuNJeEdXTLPLlna0OlrePGumlWeX+VGmiFAYlM71pyC1ueW8B6KmoRkpEDJAeZlbpn3icsVZuikGh8Qy1x5sEm0dm9a7PTfu++NgjcuNHAwhIz0V0tWksf32NO4J9HeeHvVFgH9c74eflrdcDTGkh3wTVLKxRnpa2HdB+Wii5Q8bRXf5+Ml3f4S8yo37OtqeHPbt86oC2FxNQAaNB7lz2BF53TtmPyE5PeyQ7PfFsUtAzsy2F9V4oLg/mkLaXDm6jco0zrUn5o2azvem6WNjxqud2j8paGXL+YYcqoj7tqtcg2QxUjdsfoSYlG0YYUlLYxzVGm/110uNJ242nmsU/6vxxOfitUPfObzeaDbLkhSAhpqgxKZ40Dfa/NdruzRkNwpXT9za8vbk094JYiGYubp8i0yrFHwqIQnW4CNckASGWC9itP+VPCEsit82lvtbqxEAAA==&quot;"/>
+    <we:property name="creatorSessionId" value="&quot;47271565-663f-4bae-a24b-25c1e8843fa8&quot;"/>
+    <we:property name="creatorTenantId" value="&quot;723246a1-c3f5-43c5-acdc-43adb404ac4d&quot;"/>
+    <we:property name="creatorUserId" value="&quot;100320016AD2BC3E&quot;"/>
+    <we:property name="datasetId" value="&quot;a637d1ea-2fc4-450d-862a-7d93c1af7f88&quot;"/>
+    <we:property name="embedUrl" value="&quot;/reportEmbed?reportId=50bb1048-b5f3-4123-805f-a400a2bca9ef&amp;config=eyJjbHVzdGVyVXJsIjoiaHR0cHM6Ly9XQUJJLU5PUlRILUVVUk9QRS1JLVBSSU1BUlktcmVkaXJlY3QuYW5hbHlzaXMud2luZG93cy5uZXQiLCJlbWJlZEZlYXR1cmVzIjp7Im1vZGVybkVtYmVkIjp0cnVlLCJ1c2FnZU1ldHJpY3NWTmV4dCI6dHJ1ZX19&amp;disableSensitivityBanner=true&quot;"/>
+    <we:property name="initialStateBookmark" value="&quot;H4sIAAAAAAAAA9VYW0/bMBT+K8gvvERTC2MX3kpX0MRV7VakTWg6TQ6pwYkj2+maVfnvO3ZSelkghXVTeGnrY/tcvvPZx6czFnCdCMguIEJ2yI6kvI9A3e+0mcfiUnZ5eXre6Z/+uOic90gsE8NlrNnhjBlQIZoh1ykIq4GE3288BkJcQWhHtyA0eixBpWUMgv/CYjFNGZVi7jGcJkIqsCoHBgxatRNaTmOy3X6zTxbBN3yCA/RNIe1jIpWZjz12y4WhLXbrKOtNE0VuzObuH7tJWmWyxI67ZCSUivsgHrbancO50T2PHSsZOR0lLCGt7MWGm4wGJyhDBck4I+EXp7OVU9DXY1ToNnVlHPDC1Rn77D6tU6h1gZtbItJobcaOBjJVPvbxdjFw5nNC6kpJwtG50MfQbsit3SGI1AFPas84BUNx2XCsmJbufo1JGOw4cPWu3XOT00cB/ZLpjVyqAOEx1zw2lj+7CslswA7bzqIuUuYytZpEm3XHDALPAI/LdA5XZVZUnewyuZ1gArFPBtej64ShwhDmtnp/EXovIsZmSJivhX6ipNZXkO212vtu7jiNy+ja63i0cq8ZTnfoYFlqkN+vxuczPuFxeE1XTL3Ljna0WpQ3z4Jpxdllvkg1EQqDwrnuGJSxt9zojqhpaUYKpApQHWWOaZ+4mnOWbopek1jWcgebRGvHpv1qz03r9XGwwuVaDoaQkp4V0lWkce/ladxS0N94stOVAf5xvTc/LS+5GiJImnwTrGRjEelB7t4FxaOJlt8tFd3y8ZNt/gh5lhs3VbTdb/bt86wCWF9NQAW1B/ltsxF53jtmO5AcNBuS7b44NgHknd32pJoRaO4PxpDUV473tcoMTs1ITms1fdiapo+1GV/t1P5JQStazhfkUAvuu65yESSLkLph+yPEuGjDKJakMMZRL+Jd/fVU44nLjeciiv/VeOJjeG3Qd551lprNoiQFYKAClMgWD/pGl/9qbUeW7Fbh/IlbWd4efNo6QVwIdq4q3zI1OgGfSkiMFfFRXBAHllhPxuj+K2HOCFGNj0QdKPYflAdE8vw3VkJWZcwRAAA=&quot;"/>
+    <we:property name="isFiltersActionButtonVisible" value="true"/>
+    <we:property name="pageDisplayName" value="&quot;Local Wage Analysis&quot;"/>
+    <we:property name="pageName" value="&quot;ReportSection&quot;"/>
+    <we:property name="reportEmbeddedTime" value="&quot;2023-05-03T07:23:40.601Z&quot;"/>
+    <we:property name="reportName" value="&quot;Wage Analysis North America&quot;"/>
+    <we:property name="reportState" value="&quot;CONNECTED&quot;"/>
     <we:property name="reportUrl" value="&quot;/groups/me/reports/50bb1048-b5f3-4123-805f-a400a2bca9ef/ReportSection?bookmarkGuid=69301f1e-1a08-4156-8736-bf3cfd66f044&amp;bookmarkUsage=1&amp;ctid=723246a1-c3f5-43c5-acdc-43adb404ac4d&amp;fromEntryPoint=export&quot;"/>
-    <we:property name="reportState" value="&quot;CONNECTED&quot;"/>
-    <we:property name="reportEmbeddedTime" value="&quot;2023-05-03T07:23:40.601Z&quot;"/>
-    <we:property name="creatorSessionId" value="&quot;47271565-663f-4bae-a24b-25c1e8843fa8&quot;"/>
-    <we:property name="creatorUserId" value="&quot;100320016AD2BC3E&quot;"/>
-    <we:property name="creatorTenantId" value="&quot;723246a1-c3f5-43c5-acdc-43adb404ac4d&quot;"/>
-    <we:property name="reportName" value="&quot;Wage Analysis North America&quot;"/>
-    <we:property name="isFiltersActionButtonVisible" value="true"/>
-    <we:property name="initialStateBookmark" value="&quot;H4sIAAAAAAAAA9VYW0/bMBT+K8gvvERTC2MX3kpX0MRV7VakTWg6TQ6pwYkj2+maVfnvO3ZSelkghXVTeGnrY/tcvvPZx6czFnCdCMguIEJ2yI6kvI9A3e+0mcfiUnZ5eXre6Z/+uOic90gsE8NlrNnhjBlQIZoh1ykIq4GE3288BkJcQWhHtyA0eixBpWUMgv/CYjFNGZVi7jGcJkIqsCoHBgxatRNaTmOy3X6zTxbBN3yCA/RNIe1jIpWZjz12y4WhLXbrKOtNE0VuzObuH7tJWmWyxI67ZCSUivsgHrbancO50T2PHSsZOR0lLCGt7MWGm4wGJyhDBck4I+EXp7OVU9DXY1ToNnVlHPDC1Rn77D6tU6h1gZtbItJobcaOBjJVPvbxdjFw5nNC6kpJwtG50MfQbsit3SGI1AFPas84BUNx2XCsmJbufo1JGOw4cPWu3XOT00cB/ZLpjVyqAOEx1zw2lj+7CslswA7bzqIuUuYytZpEm3XHDALPAI/LdA5XZVZUnewyuZ1gArFPBtej64ShwhDmtnp/EXovIsZmSJivhX6ipNZXkO212vtu7jiNy+ja63i0cq8ZTnfoYFlqkN+vxuczPuFxeE1XTL3Ljna0WpQ3z4Jpxdllvkg1EQqDwrnuGJSxt9zojqhpaUYKpApQHWWOaZ+4mnOWbopek1jWcgebRGvHpv1qz03r9XGwwuVaDoaQkp4V0lWkce/ladxS0N94stOVAf5xvTc/LS+5GiJImnwTrGRjEelB7t4FxaOJlt8tFd3y8ZNt/gh5lhs3VbTdb/bt86wCWF9NQAW1B/ltsxF53jtmO5AcNBuS7b44NgHknd32pJoRaO4PxpDUV473tcoMTs1ITms1fdiapo+1GV/t1P5JQStazhfkUAvuu65yESSLkLph+yPEuGjDKJakMMZRL+Jd/fVU44nLjeciiv/VeOJjeG3Qd551lprNoiQFYKAClMgWD/pGl/9qbUeW7Fbh/IlbWd4efNo6QVwIdq4q3zI1OgGfSkiMFfFRXBAHllhPxuj+K2HOCFGNj0QdKPYflAdE8vw3VkJWZcwRAAA=&quot;"/>
-    <we:property name="bookmark" value="&quot;H4sIAAAAAAAAA9VYUW/aMBD+K5Vf+hJNBCjt+tYyWk3qpqpsVNrUhyM5gtskjmyHkaH8954dKISlDe3YlL4APtt399199vlYMJ+rJITsK0TITtm5EA8RyIcDlzksLsva3dak53aPXe/opNvzuz3sdGmVSDQXsWKnC6ZBBqhHXKUQGoUk/HnnMAjDawjMaAKhQoclKJWIIeS/sVhMU1qmmDsM50koJBiVQw0ajdoZLacxueJ+6JBF8DSf4RA9XUhvMBFSr8YOm/BQ0xazdZwN5okkNxYrNBd2klbpLDHjPhkJhOQehE9bzc7RymjbYRdSRFbHMkoBrRzEmuuMBpcoAgnJNCPhN6uzlRPo2ylKtJv6IvZ54eqCfbafxilUqoibXRKm0daMGQ1FKj28wcl6YM3nFKlrKSiO1oUbDMyG3NgdQZjawJPaK05gCJeBY8S09PB7TEL/wAZXHZo9dzl9FKHfML2TSxVBeM41h03Fr75EMuuzU9daVEXKbKbKSTRZt8yg4Gng8TKdo7LMiKqTvUzumT+D2COD2+jOgkBiACtbg7+APoiIsRlSzLegX0qh1DVk7ZbbsXMXabxE527Ho5U7zXD6jA6WoQb5/W58vuIzHge3dMXUu2xpR6vD5c2zZlpxdpkXpooIhX7hXH8KUptbbnxP1DQ0IwVC+ijPM8u0T1yuOEs3xaBJLGvZg02irWPjvttz03p/HKxwuZaDAaSkp0S6ijS2357GPYH+wZODvvDxj+u9+Wl5y9UQQdLkm6CUjTXSo9y+C4pHEy2/3yi6y8dPtvsj5FVu3FXRttPs2+dVBbC+moD0aw9yt9kRed07Zj8hOWp2SPb74tglID2z7UU1Y1DcG04hqa8cx7XKNM71WMxrNZ3sTdPH2oyXO7V/UtCKlvMNOVQh92xXuQbJIqRu2PwIMC7aMMKSFMY4qjXe8q+XGk/cbDzXKP5X44nPxWuHvvPLYKPZLEqSDxoqghKZ4kHfaPNfre3ckN0oXD1xK8vbk097J4iFYOaq8i1SrRLwqITEWIGPcEHsG2K9iNH+V/KEMM8fASIhxtWrEQAA&quot;"/>
-    <we:property name="embedUrl" value="&quot;/reportEmbed?reportId=50bb1048-b5f3-4123-805f-a400a2bca9ef&amp;config=eyJjbHVzdGVyVXJsIjoiaHR0cHM6Ly9XQUJJLU5PUlRILUVVUk9QRS1JLVBSSU1BUlktcmVkaXJlY3QuYW5hbHlzaXMud2luZG93cy5uZXQiLCJlbWJlZEZlYXR1cmVzIjp7Im1vZGVybkVtYmVkIjp0cnVlLCJ1c2FnZU1ldHJpY3NWTmV4dCI6dHJ1ZX19&amp;disableSensitivityBanner=true&quot;"/>
-    <we:property name="datasetId" value="&quot;a637d1ea-2fc4-450d-862a-7d93c1af7f88&quot;"/>
-    <we:property name="pageName" value="&quot;ReportSection&quot;"/>
-    <we:property name="pageDisplayName" value="&quot;Local Wage Analysis&quot;"/>
-    <we:property name="backgroundColor" value="&quot;#FFFFFF&quot;"/>
   </we:properties>
   <we:bindings/>
   <we:snapshot xmlns:r="http://schemas.openxmlformats.org/officeDocument/2006/relationships" r:embed="rId1"/>
@@ -4540,24 +4660,6 @@
 </file>
 
 <file path=customXml/item1.xml><?xml version="1.0" encoding="utf-8"?>
-<p:properties xmlns:p="http://schemas.microsoft.com/office/2006/metadata/properties" xmlns:xsi="http://www.w3.org/2001/XMLSchema-instance" xmlns:pc="http://schemas.microsoft.com/office/infopath/2007/PartnerControls">
-  <documentManagement>
-    <Document_x0020_Purpose xmlns="f577acbf-5b0b-4b4f-9948-268e97f8d3a4">Informational</Document_x0020_Purpose>
-    <Initiatives xmlns="f577acbf-5b0b-4b4f-9948-268e97f8d3a4"/>
-  </documentManagement>
-</p:properties>
-</file>
-
-<file path=customXml/item2.xml><?xml version="1.0" encoding="utf-8"?>
-<?mso-contentType ?>
-<FormTemplates xmlns="http://schemas.microsoft.com/sharepoint/v3/contenttype/forms">
-  <Display>DocumentLibraryForm</Display>
-  <Edit>DocumentLibraryForm</Edit>
-  <New>DocumentLibraryForm</New>
-</FormTemplates>
-</file>
-
-<file path=customXml/item3.xml><?xml version="1.0" encoding="utf-8"?>
 <ct:contentTypeSchema xmlns:ct="http://schemas.microsoft.com/office/2006/metadata/contentType" xmlns:ma="http://schemas.microsoft.com/office/2006/metadata/properties/metaAttributes" ct:_="" ma:_="" ma:contentTypeName="Document" ma:contentTypeID="0x010100CD401524DC532D42A0E0ED886331A72B" ma:contentTypeVersion="15" ma:contentTypeDescription="Create a new document." ma:contentTypeScope="" ma:versionID="aba17d7263e5a17e1efe42a3571abb41">
   <xsd:schema xmlns:xsd="http://www.w3.org/2001/XMLSchema" xmlns:xs="http://www.w3.org/2001/XMLSchema" xmlns:p="http://schemas.microsoft.com/office/2006/metadata/properties" xmlns:ns2="f577acbf-5b0b-4b4f-9948-268e97f8d3a4" xmlns:ns3="b1e4d6ee-9f6f-43f8-a618-24f3d84da28f" targetNamespace="http://schemas.microsoft.com/office/2006/metadata/properties" ma:root="true" ma:fieldsID="e4e3c9c8ed1c3d723d02c9f1cb24d19a" ns2:_="" ns3:_="">
     <xsd:import namespace="f577acbf-5b0b-4b4f-9948-268e97f8d3a4"/>
@@ -4813,32 +4915,25 @@
 </ct:contentTypeSchema>
 </file>
 
-<file path=customXml/itemProps1.xml><?xml version="1.0" encoding="utf-8"?>
-<ds:datastoreItem xmlns:ds="http://schemas.openxmlformats.org/officeDocument/2006/customXml" ds:itemID="{617AB1FA-2F28-4684-9230-02ACEB6C0B0A}">
-  <ds:schemaRefs>
-    <ds:schemaRef ds:uri="http://purl.org/dc/elements/1.1/"/>
-    <ds:schemaRef ds:uri="http://schemas.microsoft.com/office/2006/metadata/properties"/>
-    <ds:schemaRef ds:uri="b1e4d6ee-9f6f-43f8-a618-24f3d84da28f"/>
-    <ds:schemaRef ds:uri="http://schemas.microsoft.com/office/2006/documentManagement/types"/>
-    <ds:schemaRef ds:uri="http://purl.org/dc/terms/"/>
-    <ds:schemaRef ds:uri="http://schemas.openxmlformats.org/package/2006/metadata/core-properties"/>
-    <ds:schemaRef ds:uri="f577acbf-5b0b-4b4f-9948-268e97f8d3a4"/>
-    <ds:schemaRef ds:uri="http://purl.org/dc/dcmitype/"/>
-    <ds:schemaRef ds:uri="http://schemas.microsoft.com/office/infopath/2007/PartnerControls"/>
-    <ds:schemaRef ds:uri="http://www.w3.org/XML/1998/namespace"/>
-  </ds:schemaRefs>
-</ds:datastoreItem>
+<file path=customXml/item2.xml><?xml version="1.0" encoding="utf-8"?>
+<?mso-contentType ?>
+<FormTemplates xmlns="http://schemas.microsoft.com/sharepoint/v3/contenttype/forms">
+  <Display>DocumentLibraryForm</Display>
+  <Edit>DocumentLibraryForm</Edit>
+  <New>DocumentLibraryForm</New>
+</FormTemplates>
 </file>
 
-<file path=customXml/itemProps2.xml><?xml version="1.0" encoding="utf-8"?>
-<ds:datastoreItem xmlns:ds="http://schemas.openxmlformats.org/officeDocument/2006/customXml" ds:itemID="{E21AFCC0-734A-4A90-A597-A1CB34860DCD}">
-  <ds:schemaRefs>
-    <ds:schemaRef ds:uri="http://schemas.microsoft.com/sharepoint/v3/contenttype/forms"/>
-  </ds:schemaRefs>
-</ds:datastoreItem>
+<file path=customXml/item3.xml><?xml version="1.0" encoding="utf-8"?>
+<p:properties xmlns:p="http://schemas.microsoft.com/office/2006/metadata/properties" xmlns:xsi="http://www.w3.org/2001/XMLSchema-instance" xmlns:pc="http://schemas.microsoft.com/office/infopath/2007/PartnerControls">
+  <documentManagement>
+    <Document_x0020_Purpose xmlns="f577acbf-5b0b-4b4f-9948-268e97f8d3a4">Informational</Document_x0020_Purpose>
+    <Initiatives xmlns="f577acbf-5b0b-4b4f-9948-268e97f8d3a4"/>
+  </documentManagement>
+</p:properties>
 </file>
 
-<file path=customXml/itemProps3.xml><?xml version="1.0" encoding="utf-8"?>
+<file path=customXml/itemProps1.xml><?xml version="1.0" encoding="utf-8"?>
 <ds:datastoreItem xmlns:ds="http://schemas.openxmlformats.org/officeDocument/2006/customXml" ds:itemID="{1DD29C39-1C4E-4B06-A1F4-2510F2DACF6E}">
   <ds:schemaRefs>
     <ds:schemaRef ds:uri="http://schemas.microsoft.com/office/2006/metadata/contentType"/>
@@ -4855,4 +4950,29 @@
     <ds:schemaRef ds:uri="http://schemas.microsoft.com/internal/obd"/>
   </ds:schemaRefs>
 </ds:datastoreItem>
+</file>
+
+<file path=customXml/itemProps2.xml><?xml version="1.0" encoding="utf-8"?>
+<ds:datastoreItem xmlns:ds="http://schemas.openxmlformats.org/officeDocument/2006/customXml" ds:itemID="{E21AFCC0-734A-4A90-A597-A1CB34860DCD}">
+  <ds:schemaRefs>
+    <ds:schemaRef ds:uri="http://schemas.microsoft.com/sharepoint/v3/contenttype/forms"/>
+  </ds:schemaRefs>
+</ds:datastoreItem>
+</file>
+
+<file path=customXml/itemProps3.xml><?xml version="1.0" encoding="utf-8"?>
+<ds:datastoreItem xmlns:ds="http://schemas.openxmlformats.org/officeDocument/2006/customXml" ds:itemID="{617AB1FA-2F28-4684-9230-02ACEB6C0B0A}">
+  <ds:schemaRefs>
+    <ds:schemaRef ds:uri="http://purl.org/dc/elements/1.1/"/>
+    <ds:schemaRef ds:uri="http://schemas.microsoft.com/office/2006/metadata/properties"/>
+    <ds:schemaRef ds:uri="b1e4d6ee-9f6f-43f8-a618-24f3d84da28f"/>
+    <ds:schemaRef ds:uri="http://schemas.microsoft.com/office/2006/documentManagement/types"/>
+    <ds:schemaRef ds:uri="http://purl.org/dc/terms/"/>
+    <ds:schemaRef ds:uri="http://schemas.openxmlformats.org/package/2006/metadata/core-properties"/>
+    <ds:schemaRef ds:uri="f577acbf-5b0b-4b4f-9948-268e97f8d3a4"/>
+    <ds:schemaRef ds:uri="http://purl.org/dc/dcmitype/"/>
+    <ds:schemaRef ds:uri="http://schemas.microsoft.com/office/infopath/2007/PartnerControls"/>
+    <ds:schemaRef ds:uri="http://www.w3.org/XML/1998/namespace"/>
+  </ds:schemaRefs>
+</ds:datastoreItem>
 </file>